--- a/Project3-MachineLearning/Neuromancers/Neuromancer's Journey.pptx
+++ b/Project3-MachineLearning/Neuromancers/Neuromancer's Journey.pptx
@@ -20,6 +20,9 @@
     <p:sldId id="265" r:id="rId14"/>
     <p:sldId id="266" r:id="rId15"/>
     <p:sldId id="267" r:id="rId16"/>
+    <p:sldId id="268" r:id="rId17"/>
+    <p:sldId id="269" r:id="rId18"/>
+    <p:sldId id="270" r:id="rId19"/>
   </p:sldIdLst>
   <p:sldSz cy="6858000" cx="12192000"/>
   <p:notesSz cx="6858000" cy="9144000"/>
@@ -667,7 +670,7 @@
   <p:cSld>
     <p:spTree>
       <p:nvGrpSpPr>
-        <p:cNvPr id="136" name="Shape 136"/>
+        <p:cNvPr id="133" name="Shape 133"/>
         <p:cNvGrpSpPr/>
         <p:nvPr/>
       </p:nvGrpSpPr>
@@ -681,7 +684,7 @@
       </p:grpSpPr>
       <p:sp>
         <p:nvSpPr>
-          <p:cNvPr id="137" name="Shape 137"/>
+          <p:cNvPr id="134" name="Shape 134"/>
           <p:cNvSpPr/>
           <p:nvPr>
             <p:ph idx="2" type="sldImg"/>
@@ -715,7 +718,292 @@
       </p:sp>
       <p:sp>
         <p:nvSpPr>
-          <p:cNvPr id="138" name="Shape 138"/>
+          <p:cNvPr id="135" name="Shape 135"/>
+          <p:cNvSpPr txBox="1"/>
+          <p:nvPr>
+            <p:ph idx="1" type="body"/>
+          </p:nvPr>
+        </p:nvSpPr>
+        <p:spPr>
+          <a:xfrm>
+            <a:off x="685800" y="4343400"/>
+            <a:ext cx="5486400" cy="4114800"/>
+          </a:xfrm>
+          <a:prstGeom prst="rect">
+            <a:avLst/>
+          </a:prstGeom>
+        </p:spPr>
+        <p:txBody>
+          <a:bodyPr anchorCtr="0" anchor="t" bIns="91425" lIns="91425" rIns="91425" tIns="91425">
+            <a:noAutofit/>
+          </a:bodyPr>
+          <a:lstStyle/>
+          <a:p>
+            <a:pPr lvl="0">
+              <a:spcBef>
+                <a:spcPts val="0"/>
+              </a:spcBef>
+              <a:buNone/>
+            </a:pPr>
+            <a:r>
+              <a:t/>
+            </a:r>
+            <a:endParaRPr/>
+          </a:p>
+        </p:txBody>
+      </p:sp>
+    </p:spTree>
+  </p:cSld>
+  <p:clrMapOvr>
+    <a:masterClrMapping/>
+  </p:clrMapOvr>
+</p:notes>
+</file>
+
+<file path=ppt/notesSlides/notesSlide13.xml><?xml version="1.0" encoding="utf-8"?>
+<p:notes xmlns:a="http://schemas.openxmlformats.org/drawingml/2006/main" xmlns:r="http://schemas.openxmlformats.org/officeDocument/2006/relationships" xmlns:mc="http://schemas.openxmlformats.org/markup-compatibility/2006" xmlns:mv="urn:schemas-microsoft-com:mac:vml" xmlns:p="http://schemas.openxmlformats.org/presentationml/2006/main" xmlns:c="http://schemas.openxmlformats.org/drawingml/2006/chart" xmlns:dgm="http://schemas.openxmlformats.org/drawingml/2006/diagram" xmlns:o="urn:schemas-microsoft-com:office:office" xmlns:v="urn:schemas-microsoft-com:vml" xmlns:pvml="urn:schemas-microsoft-com:office:powerpoint" xmlns:com="http://schemas.openxmlformats.org/drawingml/2006/compatibility" xmlns:p14="http://schemas.microsoft.com/office/powerpoint/2010/main" showMasterPhAnim="0" showMasterSp="0">
+  <p:cSld>
+    <p:spTree>
+      <p:nvGrpSpPr>
+        <p:cNvPr id="140" name="Shape 140"/>
+        <p:cNvGrpSpPr/>
+        <p:nvPr/>
+      </p:nvGrpSpPr>
+      <p:grpSpPr>
+        <a:xfrm>
+          <a:off x="0" y="0"/>
+          <a:ext cx="0" cy="0"/>
+          <a:chOff x="0" y="0"/>
+          <a:chExt cx="0" cy="0"/>
+        </a:xfrm>
+      </p:grpSpPr>
+      <p:sp>
+        <p:nvSpPr>
+          <p:cNvPr id="141" name="Shape 141"/>
+          <p:cNvSpPr/>
+          <p:nvPr>
+            <p:ph idx="2" type="sldImg"/>
+          </p:nvPr>
+        </p:nvSpPr>
+        <p:spPr>
+          <a:xfrm>
+            <a:off x="1143225" y="685800"/>
+            <a:ext cx="4572300" cy="3429000"/>
+          </a:xfrm>
+          <a:custGeom>
+            <a:pathLst>
+              <a:path extrusionOk="0" h="120000" w="120000">
+                <a:moveTo>
+                  <a:pt x="0" y="0"/>
+                </a:moveTo>
+                <a:lnTo>
+                  <a:pt x="120000" y="0"/>
+                </a:lnTo>
+                <a:lnTo>
+                  <a:pt x="120000" y="120000"/>
+                </a:lnTo>
+                <a:lnTo>
+                  <a:pt x="0" y="120000"/>
+                </a:lnTo>
+                <a:close/>
+              </a:path>
+            </a:pathLst>
+          </a:custGeom>
+        </p:spPr>
+      </p:sp>
+      <p:sp>
+        <p:nvSpPr>
+          <p:cNvPr id="142" name="Shape 142"/>
+          <p:cNvSpPr txBox="1"/>
+          <p:nvPr>
+            <p:ph idx="1" type="body"/>
+          </p:nvPr>
+        </p:nvSpPr>
+        <p:spPr>
+          <a:xfrm>
+            <a:off x="685800" y="4343400"/>
+            <a:ext cx="5486400" cy="4114800"/>
+          </a:xfrm>
+          <a:prstGeom prst="rect">
+            <a:avLst/>
+          </a:prstGeom>
+        </p:spPr>
+        <p:txBody>
+          <a:bodyPr anchorCtr="0" anchor="t" bIns="91425" lIns="91425" rIns="91425" tIns="91425">
+            <a:noAutofit/>
+          </a:bodyPr>
+          <a:lstStyle/>
+          <a:p>
+            <a:pPr lvl="0">
+              <a:spcBef>
+                <a:spcPts val="0"/>
+              </a:spcBef>
+              <a:buNone/>
+            </a:pPr>
+            <a:r>
+              <a:t/>
+            </a:r>
+            <a:endParaRPr/>
+          </a:p>
+        </p:txBody>
+      </p:sp>
+    </p:spTree>
+  </p:cSld>
+  <p:clrMapOvr>
+    <a:masterClrMapping/>
+  </p:clrMapOvr>
+</p:notes>
+</file>
+
+<file path=ppt/notesSlides/notesSlide14.xml><?xml version="1.0" encoding="utf-8"?>
+<p:notes xmlns:a="http://schemas.openxmlformats.org/drawingml/2006/main" xmlns:r="http://schemas.openxmlformats.org/officeDocument/2006/relationships" xmlns:mc="http://schemas.openxmlformats.org/markup-compatibility/2006" xmlns:mv="urn:schemas-microsoft-com:mac:vml" xmlns:p="http://schemas.openxmlformats.org/presentationml/2006/main" xmlns:c="http://schemas.openxmlformats.org/drawingml/2006/chart" xmlns:dgm="http://schemas.openxmlformats.org/drawingml/2006/diagram" xmlns:o="urn:schemas-microsoft-com:office:office" xmlns:v="urn:schemas-microsoft-com:vml" xmlns:pvml="urn:schemas-microsoft-com:office:powerpoint" xmlns:com="http://schemas.openxmlformats.org/drawingml/2006/compatibility" xmlns:p14="http://schemas.microsoft.com/office/powerpoint/2010/main" showMasterPhAnim="0" showMasterSp="0">
+  <p:cSld>
+    <p:spTree>
+      <p:nvGrpSpPr>
+        <p:cNvPr id="149" name="Shape 149"/>
+        <p:cNvGrpSpPr/>
+        <p:nvPr/>
+      </p:nvGrpSpPr>
+      <p:grpSpPr>
+        <a:xfrm>
+          <a:off x="0" y="0"/>
+          <a:ext cx="0" cy="0"/>
+          <a:chOff x="0" y="0"/>
+          <a:chExt cx="0" cy="0"/>
+        </a:xfrm>
+      </p:grpSpPr>
+      <p:sp>
+        <p:nvSpPr>
+          <p:cNvPr id="150" name="Shape 150"/>
+          <p:cNvSpPr/>
+          <p:nvPr>
+            <p:ph idx="2" type="sldImg"/>
+          </p:nvPr>
+        </p:nvSpPr>
+        <p:spPr>
+          <a:xfrm>
+            <a:off x="1143225" y="685800"/>
+            <a:ext cx="4572300" cy="3429000"/>
+          </a:xfrm>
+          <a:custGeom>
+            <a:pathLst>
+              <a:path extrusionOk="0" h="120000" w="120000">
+                <a:moveTo>
+                  <a:pt x="0" y="0"/>
+                </a:moveTo>
+                <a:lnTo>
+                  <a:pt x="120000" y="0"/>
+                </a:lnTo>
+                <a:lnTo>
+                  <a:pt x="120000" y="120000"/>
+                </a:lnTo>
+                <a:lnTo>
+                  <a:pt x="0" y="120000"/>
+                </a:lnTo>
+                <a:close/>
+              </a:path>
+            </a:pathLst>
+          </a:custGeom>
+        </p:spPr>
+      </p:sp>
+      <p:sp>
+        <p:nvSpPr>
+          <p:cNvPr id="151" name="Shape 151"/>
+          <p:cNvSpPr txBox="1"/>
+          <p:nvPr>
+            <p:ph idx="1" type="body"/>
+          </p:nvPr>
+        </p:nvSpPr>
+        <p:spPr>
+          <a:xfrm>
+            <a:off x="685800" y="4343400"/>
+            <a:ext cx="5486400" cy="4114800"/>
+          </a:xfrm>
+          <a:prstGeom prst="rect">
+            <a:avLst/>
+          </a:prstGeom>
+        </p:spPr>
+        <p:txBody>
+          <a:bodyPr anchorCtr="0" anchor="t" bIns="91425" lIns="91425" rIns="91425" tIns="91425">
+            <a:noAutofit/>
+          </a:bodyPr>
+          <a:lstStyle/>
+          <a:p>
+            <a:pPr lvl="0">
+              <a:spcBef>
+                <a:spcPts val="0"/>
+              </a:spcBef>
+              <a:buNone/>
+            </a:pPr>
+            <a:r>
+              <a:t/>
+            </a:r>
+            <a:endParaRPr/>
+          </a:p>
+        </p:txBody>
+      </p:sp>
+    </p:spTree>
+  </p:cSld>
+  <p:clrMapOvr>
+    <a:masterClrMapping/>
+  </p:clrMapOvr>
+</p:notes>
+</file>
+
+<file path=ppt/notesSlides/notesSlide15.xml><?xml version="1.0" encoding="utf-8"?>
+<p:notes xmlns:a="http://schemas.openxmlformats.org/drawingml/2006/main" xmlns:r="http://schemas.openxmlformats.org/officeDocument/2006/relationships" xmlns:mc="http://schemas.openxmlformats.org/markup-compatibility/2006" xmlns:mv="urn:schemas-microsoft-com:mac:vml" xmlns:p="http://schemas.openxmlformats.org/presentationml/2006/main" xmlns:c="http://schemas.openxmlformats.org/drawingml/2006/chart" xmlns:dgm="http://schemas.openxmlformats.org/drawingml/2006/diagram" xmlns:o="urn:schemas-microsoft-com:office:office" xmlns:v="urn:schemas-microsoft-com:vml" xmlns:pvml="urn:schemas-microsoft-com:office:powerpoint" xmlns:com="http://schemas.openxmlformats.org/drawingml/2006/compatibility" xmlns:p14="http://schemas.microsoft.com/office/powerpoint/2010/main" showMasterPhAnim="0" showMasterSp="0">
+  <p:cSld>
+    <p:spTree>
+      <p:nvGrpSpPr>
+        <p:cNvPr id="161" name="Shape 161"/>
+        <p:cNvGrpSpPr/>
+        <p:nvPr/>
+      </p:nvGrpSpPr>
+      <p:grpSpPr>
+        <a:xfrm>
+          <a:off x="0" y="0"/>
+          <a:ext cx="0" cy="0"/>
+          <a:chOff x="0" y="0"/>
+          <a:chExt cx="0" cy="0"/>
+        </a:xfrm>
+      </p:grpSpPr>
+      <p:sp>
+        <p:nvSpPr>
+          <p:cNvPr id="162" name="Shape 162"/>
+          <p:cNvSpPr/>
+          <p:nvPr>
+            <p:ph idx="2" type="sldImg"/>
+          </p:nvPr>
+        </p:nvSpPr>
+        <p:spPr>
+          <a:xfrm>
+            <a:off x="1143225" y="685800"/>
+            <a:ext cx="4572300" cy="3429000"/>
+          </a:xfrm>
+          <a:custGeom>
+            <a:pathLst>
+              <a:path extrusionOk="0" h="120000" w="120000">
+                <a:moveTo>
+                  <a:pt x="0" y="0"/>
+                </a:moveTo>
+                <a:lnTo>
+                  <a:pt x="120000" y="0"/>
+                </a:lnTo>
+                <a:lnTo>
+                  <a:pt x="120000" y="120000"/>
+                </a:lnTo>
+                <a:lnTo>
+                  <a:pt x="0" y="120000"/>
+                </a:lnTo>
+                <a:close/>
+              </a:path>
+            </a:pathLst>
+          </a:custGeom>
+        </p:spPr>
+      </p:sp>
+      <p:sp>
+        <p:nvSpPr>
+          <p:cNvPr id="163" name="Shape 163"/>
           <p:cNvSpPr txBox="1"/>
           <p:nvPr>
             <p:ph idx="1" type="body"/>
@@ -5325,13 +5613,6 @@
 <file path=ppt/slides/slide11.xml><?xml version="1.0" encoding="utf-8"?>
 <p:sld xmlns:a="http://schemas.openxmlformats.org/drawingml/2006/main" xmlns:r="http://schemas.openxmlformats.org/officeDocument/2006/relationships" xmlns:mc="http://schemas.openxmlformats.org/markup-compatibility/2006" xmlns:mv="urn:schemas-microsoft-com:mac:vml" xmlns:p="http://schemas.openxmlformats.org/presentationml/2006/main" xmlns:c="http://schemas.openxmlformats.org/drawingml/2006/chart" xmlns:dgm="http://schemas.openxmlformats.org/drawingml/2006/diagram" xmlns:o="urn:schemas-microsoft-com:office:office" xmlns:v="urn:schemas-microsoft-com:vml" xmlns:pvml="urn:schemas-microsoft-com:office:powerpoint" xmlns:com="http://schemas.openxmlformats.org/drawingml/2006/compatibility" xmlns:p14="http://schemas.microsoft.com/office/powerpoint/2010/main">
   <p:cSld>
-    <p:bg>
-      <p:bgPr>
-        <a:solidFill>
-          <a:srgbClr val="B7B7B7"/>
-        </a:solidFill>
-      </p:bgPr>
-    </p:bg>
     <p:spTree>
       <p:nvGrpSpPr>
         <p:cNvPr id="130" name="Shape 130"/>
@@ -5349,6 +5630,265 @@
       <p:sp>
         <p:nvSpPr>
           <p:cNvPr id="131" name="Shape 131"/>
+          <p:cNvSpPr txBox="1"/>
+          <p:nvPr>
+            <p:ph type="ctrTitle"/>
+          </p:nvPr>
+        </p:nvSpPr>
+        <p:spPr>
+          <a:xfrm>
+            <a:off x="49825" y="78375"/>
+            <a:ext cx="2361900" cy="824700"/>
+          </a:xfrm>
+          <a:prstGeom prst="rect">
+            <a:avLst/>
+          </a:prstGeom>
+        </p:spPr>
+        <p:txBody>
+          <a:bodyPr anchorCtr="0" anchor="b" bIns="121900" lIns="121900" rIns="121900" tIns="121900">
+            <a:noAutofit/>
+          </a:bodyPr>
+          <a:lstStyle/>
+          <a:p>
+            <a:pPr lvl="0">
+              <a:spcBef>
+                <a:spcPts val="0"/>
+              </a:spcBef>
+              <a:buNone/>
+            </a:pPr>
+            <a:r>
+              <a:rPr b="1" lang="en-GB" sz="1400"/>
+              <a:t>In Hindsight …</a:t>
+            </a:r>
+          </a:p>
+          <a:p>
+            <a:pPr lvl="0">
+              <a:spcBef>
+                <a:spcPts val="0"/>
+              </a:spcBef>
+              <a:buNone/>
+            </a:pPr>
+            <a:r>
+              <a:rPr b="1" lang="en-GB" sz="1400"/>
+              <a:t>Should’ve done clustering first</a:t>
+            </a:r>
+          </a:p>
+        </p:txBody>
+      </p:sp>
+      <p:pic>
+        <p:nvPicPr>
+          <p:cNvPr descr="clusteringpic1.png" id="132" name="Shape 132"/>
+          <p:cNvPicPr preferRelativeResize="0"/>
+          <p:nvPr/>
+        </p:nvPicPr>
+        <p:blipFill>
+          <a:blip r:embed="rId3">
+            <a:alphaModFix/>
+          </a:blip>
+          <a:stretch>
+            <a:fillRect/>
+          </a:stretch>
+        </p:blipFill>
+        <p:spPr>
+          <a:xfrm>
+            <a:off x="2411725" y="171449"/>
+            <a:ext cx="7189475" cy="6582348"/>
+          </a:xfrm>
+          <a:prstGeom prst="rect">
+            <a:avLst/>
+          </a:prstGeom>
+          <a:noFill/>
+          <a:ln>
+            <a:noFill/>
+          </a:ln>
+        </p:spPr>
+      </p:pic>
+    </p:spTree>
+  </p:cSld>
+  <p:clrMapOvr>
+    <a:masterClrMapping/>
+  </p:clrMapOvr>
+</p:sld>
+</file>
+
+<file path=ppt/slides/slide12.xml><?xml version="1.0" encoding="utf-8"?>
+<p:sld xmlns:a="http://schemas.openxmlformats.org/drawingml/2006/main" xmlns:r="http://schemas.openxmlformats.org/officeDocument/2006/relationships" xmlns:mc="http://schemas.openxmlformats.org/markup-compatibility/2006" xmlns:mv="urn:schemas-microsoft-com:mac:vml" xmlns:p="http://schemas.openxmlformats.org/presentationml/2006/main" xmlns:c="http://schemas.openxmlformats.org/drawingml/2006/chart" xmlns:dgm="http://schemas.openxmlformats.org/drawingml/2006/diagram" xmlns:o="urn:schemas-microsoft-com:office:office" xmlns:v="urn:schemas-microsoft-com:vml" xmlns:pvml="urn:schemas-microsoft-com:office:powerpoint" xmlns:com="http://schemas.openxmlformats.org/drawingml/2006/compatibility" xmlns:p14="http://schemas.microsoft.com/office/powerpoint/2010/main">
+  <p:cSld>
+    <p:spTree>
+      <p:nvGrpSpPr>
+        <p:cNvPr id="136" name="Shape 136"/>
+        <p:cNvGrpSpPr/>
+        <p:nvPr/>
+      </p:nvGrpSpPr>
+      <p:grpSpPr>
+        <a:xfrm>
+          <a:off x="0" y="0"/>
+          <a:ext cx="0" cy="0"/>
+          <a:chOff x="0" y="0"/>
+          <a:chExt cx="0" cy="0"/>
+        </a:xfrm>
+      </p:grpSpPr>
+      <p:sp>
+        <p:nvSpPr>
+          <p:cNvPr id="137" name="Shape 137"/>
+          <p:cNvSpPr txBox="1"/>
+          <p:nvPr>
+            <p:ph type="ctrTitle"/>
+          </p:nvPr>
+        </p:nvSpPr>
+        <p:spPr>
+          <a:xfrm>
+            <a:off x="415600" y="153344"/>
+            <a:ext cx="11360700" cy="859800"/>
+          </a:xfrm>
+          <a:prstGeom prst="rect">
+            <a:avLst/>
+          </a:prstGeom>
+        </p:spPr>
+        <p:txBody>
+          <a:bodyPr anchorCtr="0" anchor="b" bIns="121900" lIns="121900" rIns="121900" tIns="121900">
+            <a:noAutofit/>
+          </a:bodyPr>
+          <a:lstStyle/>
+          <a:p>
+            <a:pPr lvl="0">
+              <a:spcBef>
+                <a:spcPts val="0"/>
+              </a:spcBef>
+              <a:buNone/>
+            </a:pPr>
+            <a:r>
+              <a:rPr b="1" lang="en-GB" sz="1800"/>
+              <a:t>Silhouette Scoring:</a:t>
+            </a:r>
+          </a:p>
+          <a:p>
+            <a:pPr lvl="0">
+              <a:spcBef>
+                <a:spcPts val="0"/>
+              </a:spcBef>
+              <a:buNone/>
+            </a:pPr>
+            <a:r>
+              <a:rPr b="1" lang="en-GB" sz="1800"/>
+              <a:t>How many “interest” levels really exist?</a:t>
+            </a:r>
+          </a:p>
+        </p:txBody>
+      </p:sp>
+      <p:pic>
+        <p:nvPicPr>
+          <p:cNvPr descr="clusteringSill.png" id="138" name="Shape 138"/>
+          <p:cNvPicPr preferRelativeResize="0"/>
+          <p:nvPr/>
+        </p:nvPicPr>
+        <p:blipFill>
+          <a:blip r:embed="rId3">
+            <a:alphaModFix/>
+          </a:blip>
+          <a:stretch>
+            <a:fillRect/>
+          </a:stretch>
+        </p:blipFill>
+        <p:spPr>
+          <a:xfrm>
+            <a:off x="2728862" y="1110769"/>
+            <a:ext cx="6734175" cy="4800600"/>
+          </a:xfrm>
+          <a:prstGeom prst="rect">
+            <a:avLst/>
+          </a:prstGeom>
+          <a:noFill/>
+          <a:ln>
+            <a:noFill/>
+          </a:ln>
+        </p:spPr>
+      </p:pic>
+      <p:sp>
+        <p:nvSpPr>
+          <p:cNvPr id="139" name="Shape 139"/>
+          <p:cNvSpPr txBox="1"/>
+          <p:nvPr/>
+        </p:nvSpPr>
+        <p:spPr>
+          <a:xfrm>
+            <a:off x="2941150" y="6009000"/>
+            <a:ext cx="6309600" cy="736200"/>
+          </a:xfrm>
+          <a:prstGeom prst="rect">
+            <a:avLst/>
+          </a:prstGeom>
+          <a:noFill/>
+          <a:ln>
+            <a:noFill/>
+          </a:ln>
+        </p:spPr>
+        <p:txBody>
+          <a:bodyPr anchorCtr="0" anchor="t" bIns="91425" lIns="91425" rIns="91425" tIns="91425">
+            <a:noAutofit/>
+          </a:bodyPr>
+          <a:lstStyle/>
+          <a:p>
+            <a:pPr lvl="0" rtl="0" algn="ctr">
+              <a:spcBef>
+                <a:spcPts val="0"/>
+              </a:spcBef>
+              <a:buNone/>
+            </a:pPr>
+            <a:r>
+              <a:rPr b="1" lang="en-GB"/>
+              <a:t>There was definitive three “interest” groups!</a:t>
+            </a:r>
+          </a:p>
+          <a:p>
+            <a:pPr lvl="0" algn="ctr">
+              <a:spcBef>
+                <a:spcPts val="0"/>
+              </a:spcBef>
+              <a:buNone/>
+            </a:pPr>
+            <a:r>
+              <a:rPr b="1" lang="en-GB"/>
+              <a:t>Don’t underestimate “The GrandDaddy of Clustering!”</a:t>
+            </a:r>
+          </a:p>
+        </p:txBody>
+      </p:sp>
+    </p:spTree>
+  </p:cSld>
+  <p:clrMapOvr>
+    <a:masterClrMapping/>
+  </p:clrMapOvr>
+</p:sld>
+</file>
+
+<file path=ppt/slides/slide13.xml><?xml version="1.0" encoding="utf-8"?>
+<p:sld xmlns:a="http://schemas.openxmlformats.org/drawingml/2006/main" xmlns:r="http://schemas.openxmlformats.org/officeDocument/2006/relationships" xmlns:mc="http://schemas.openxmlformats.org/markup-compatibility/2006" xmlns:mv="urn:schemas-microsoft-com:mac:vml" xmlns:p="http://schemas.openxmlformats.org/presentationml/2006/main" xmlns:c="http://schemas.openxmlformats.org/drawingml/2006/chart" xmlns:dgm="http://schemas.openxmlformats.org/drawingml/2006/diagram" xmlns:o="urn:schemas-microsoft-com:office:office" xmlns:v="urn:schemas-microsoft-com:vml" xmlns:pvml="urn:schemas-microsoft-com:office:powerpoint" xmlns:com="http://schemas.openxmlformats.org/drawingml/2006/compatibility" xmlns:p14="http://schemas.microsoft.com/office/powerpoint/2010/main">
+  <p:cSld>
+    <p:bg>
+      <p:bgPr>
+        <a:solidFill>
+          <a:srgbClr val="B7B7B7"/>
+        </a:solidFill>
+      </p:bgPr>
+    </p:bg>
+    <p:spTree>
+      <p:nvGrpSpPr>
+        <p:cNvPr id="143" name="Shape 143"/>
+        <p:cNvGrpSpPr/>
+        <p:nvPr/>
+      </p:nvGrpSpPr>
+      <p:grpSpPr>
+        <a:xfrm>
+          <a:off x="0" y="0"/>
+          <a:ext cx="0" cy="0"/>
+          <a:chOff x="0" y="0"/>
+          <a:chExt cx="0" cy="0"/>
+        </a:xfrm>
+      </p:grpSpPr>
+      <p:sp>
+        <p:nvSpPr>
+          <p:cNvPr id="144" name="Shape 144"/>
           <p:cNvSpPr/>
           <p:nvPr/>
         </p:nvSpPr>
@@ -5391,7 +5931,7 @@
       </p:sp>
       <p:sp>
         <p:nvSpPr>
-          <p:cNvPr id="132" name="Shape 132"/>
+          <p:cNvPr id="145" name="Shape 145"/>
           <p:cNvSpPr/>
           <p:nvPr/>
         </p:nvSpPr>
@@ -5434,7 +5974,7 @@
       </p:sp>
       <p:sp>
         <p:nvSpPr>
-          <p:cNvPr id="133" name="Shape 133"/>
+          <p:cNvPr id="146" name="Shape 146"/>
           <p:cNvSpPr/>
           <p:nvPr/>
         </p:nvSpPr>
@@ -5477,7 +6017,7 @@
       </p:sp>
       <p:sp>
         <p:nvSpPr>
-          <p:cNvPr id="134" name="Shape 134"/>
+          <p:cNvPr id="147" name="Shape 147"/>
           <p:cNvSpPr/>
           <p:nvPr/>
         </p:nvSpPr>
@@ -5524,7 +6064,7 @@
       </p:sp>
       <p:sp>
         <p:nvSpPr>
-          <p:cNvPr id="135" name="Shape 135"/>
+          <p:cNvPr id="148" name="Shape 148"/>
           <p:cNvSpPr/>
           <p:nvPr/>
         </p:nvSpPr>
@@ -5573,7 +6113,7 @@
 </p:sld>
 </file>
 
-<file path=ppt/slides/slide12.xml><?xml version="1.0" encoding="utf-8"?>
+<file path=ppt/slides/slide14.xml><?xml version="1.0" encoding="utf-8"?>
 <p:sld xmlns:a="http://schemas.openxmlformats.org/drawingml/2006/main" xmlns:r="http://schemas.openxmlformats.org/officeDocument/2006/relationships" xmlns:mc="http://schemas.openxmlformats.org/markup-compatibility/2006" xmlns:mv="urn:schemas-microsoft-com:mac:vml" xmlns:p="http://schemas.openxmlformats.org/presentationml/2006/main" xmlns:c="http://schemas.openxmlformats.org/drawingml/2006/chart" xmlns:dgm="http://schemas.openxmlformats.org/drawingml/2006/diagram" xmlns:o="urn:schemas-microsoft-com:office:office" xmlns:v="urn:schemas-microsoft-com:vml" xmlns:pvml="urn:schemas-microsoft-com:office:powerpoint" xmlns:com="http://schemas.openxmlformats.org/drawingml/2006/compatibility" xmlns:p14="http://schemas.microsoft.com/office/powerpoint/2010/main">
   <p:cSld>
     <p:bg>
@@ -5585,7 +6125,7 @@
     </p:bg>
     <p:spTree>
       <p:nvGrpSpPr>
-        <p:cNvPr id="139" name="Shape 139"/>
+        <p:cNvPr id="152" name="Shape 152"/>
         <p:cNvGrpSpPr/>
         <p:nvPr/>
       </p:nvGrpSpPr>
@@ -5599,13 +6139,13 @@
       </p:grpSpPr>
       <p:sp>
         <p:nvSpPr>
-          <p:cNvPr id="140" name="Shape 140"/>
+          <p:cNvPr id="153" name="Shape 153"/>
           <p:cNvSpPr txBox="1"/>
           <p:nvPr/>
         </p:nvSpPr>
         <p:spPr>
           <a:xfrm>
-            <a:off x="2064300" y="44525"/>
+            <a:off x="1905000" y="50375"/>
             <a:ext cx="7074000" cy="609600"/>
           </a:xfrm>
           <a:prstGeom prst="rect">
@@ -5641,7 +6181,7 @@
       </p:sp>
       <p:sp>
         <p:nvSpPr>
-          <p:cNvPr id="141" name="Shape 141"/>
+          <p:cNvPr id="154" name="Shape 154"/>
           <p:cNvSpPr txBox="1"/>
           <p:nvPr/>
         </p:nvSpPr>
@@ -5699,13 +6239,13 @@
       </p:sp>
       <p:sp>
         <p:nvSpPr>
-          <p:cNvPr id="142" name="Shape 142"/>
+          <p:cNvPr id="155" name="Shape 155"/>
           <p:cNvSpPr txBox="1"/>
           <p:nvPr/>
         </p:nvSpPr>
         <p:spPr>
           <a:xfrm>
-            <a:off x="3711750" y="782900"/>
+            <a:off x="3711750" y="654125"/>
             <a:ext cx="3779100" cy="478500"/>
           </a:xfrm>
           <a:prstGeom prst="rect">
@@ -5730,14 +6270,14 @@
             </a:pPr>
             <a:r>
               <a:rPr b="1" lang="en-GB"/>
-              <a:t>Ok internal testing indicates our model is looking good!</a:t>
+              <a:t>Ok internal testing indicates our model is looking good! Our model was outputting log_loss of .53</a:t>
             </a:r>
           </a:p>
         </p:txBody>
       </p:sp>
       <p:sp>
         <p:nvSpPr>
-          <p:cNvPr id="143" name="Shape 143"/>
+          <p:cNvPr id="156" name="Shape 156"/>
           <p:cNvSpPr txBox="1"/>
           <p:nvPr/>
         </p:nvSpPr>
@@ -5775,7 +6315,7 @@
       </p:sp>
       <p:sp>
         <p:nvSpPr>
-          <p:cNvPr id="144" name="Shape 144"/>
+          <p:cNvPr id="157" name="Shape 157"/>
           <p:cNvSpPr txBox="1"/>
           <p:nvPr/>
         </p:nvSpPr>
@@ -5825,7 +6365,7 @@
       </p:sp>
       <p:sp>
         <p:nvSpPr>
-          <p:cNvPr id="145" name="Shape 145"/>
+          <p:cNvPr id="158" name="Shape 158"/>
           <p:cNvSpPr txBox="1"/>
           <p:nvPr/>
         </p:nvSpPr>
@@ -5863,7 +6403,7 @@
       </p:sp>
       <p:sp>
         <p:nvSpPr>
-          <p:cNvPr id="146" name="Shape 146"/>
+          <p:cNvPr id="159" name="Shape 159"/>
           <p:cNvSpPr txBox="1"/>
           <p:nvPr/>
         </p:nvSpPr>
@@ -5901,7 +6441,7 @@
       </p:sp>
       <p:sp>
         <p:nvSpPr>
-          <p:cNvPr id="147" name="Shape 147"/>
+          <p:cNvPr id="160" name="Shape 160"/>
           <p:cNvSpPr txBox="1"/>
           <p:nvPr/>
         </p:nvSpPr>
@@ -5944,7 +6484,7 @@
             </a:pPr>
             <a:r>
               <a:rPr b="1" lang="en-GB" sz="1800"/>
-              <a:t>XGBoost									0.54720</a:t>
+              <a:t>XGBoost									0.55520</a:t>
             </a:r>
           </a:p>
         </p:txBody>
@@ -5988,7 +6528,7 @@
                                           </p:stCondLst>
                                         </p:cTn>
                                         <p:tgtEl>
-                                          <p:spTgt spid="142"/>
+                                          <p:spTgt spid="155"/>
                                         </p:tgtEl>
                                         <p:attrNameLst>
                                           <p:attrName>style.visibility</p:attrName>
@@ -6002,7 +6542,7 @@
                                       <p:cBhvr>
                                         <p:cTn dur="1000"/>
                                         <p:tgtEl>
-                                          <p:spTgt spid="142"/>
+                                          <p:spTgt spid="155"/>
                                         </p:tgtEl>
                                       </p:cBhvr>
                                     </p:animEffect>
@@ -6041,7 +6581,7 @@
                                           </p:stCondLst>
                                         </p:cTn>
                                         <p:tgtEl>
-                                          <p:spTgt spid="141"/>
+                                          <p:spTgt spid="154"/>
                                         </p:tgtEl>
                                         <p:attrNameLst>
                                           <p:attrName>style.visibility</p:attrName>
@@ -6055,7 +6595,7 @@
                                       <p:cBhvr>
                                         <p:cTn dur="1000"/>
                                         <p:tgtEl>
-                                          <p:spTgt spid="141"/>
+                                          <p:spTgt spid="154"/>
                                         </p:tgtEl>
                                       </p:cBhvr>
                                     </p:animEffect>
@@ -6094,7 +6634,7 @@
                                           </p:stCondLst>
                                         </p:cTn>
                                         <p:tgtEl>
-                                          <p:spTgt spid="143"/>
+                                          <p:spTgt spid="156"/>
                                         </p:tgtEl>
                                         <p:attrNameLst>
                                           <p:attrName>style.visibility</p:attrName>
@@ -6108,7 +6648,7 @@
                                       <p:cBhvr>
                                         <p:cTn dur="1000"/>
                                         <p:tgtEl>
-                                          <p:spTgt spid="143"/>
+                                          <p:spTgt spid="156"/>
                                         </p:tgtEl>
                                       </p:cBhvr>
                                     </p:animEffect>
@@ -6147,7 +6687,7 @@
                                           </p:stCondLst>
                                         </p:cTn>
                                         <p:tgtEl>
-                                          <p:spTgt spid="145"/>
+                                          <p:spTgt spid="158"/>
                                         </p:tgtEl>
                                         <p:attrNameLst>
                                           <p:attrName>style.visibility</p:attrName>
@@ -6161,7 +6701,7 @@
                                       <p:cBhvr>
                                         <p:cTn dur="1000"/>
                                         <p:tgtEl>
-                                          <p:spTgt spid="145"/>
+                                          <p:spTgt spid="158"/>
                                         </p:tgtEl>
                                       </p:cBhvr>
                                     </p:animEffect>
@@ -6200,7 +6740,7 @@
                                           </p:stCondLst>
                                         </p:cTn>
                                         <p:tgtEl>
-                                          <p:spTgt spid="144"/>
+                                          <p:spTgt spid="157"/>
                                         </p:tgtEl>
                                         <p:attrNameLst>
                                           <p:attrName>style.visibility</p:attrName>
@@ -6214,7 +6754,7 @@
                                       <p:cBhvr>
                                         <p:cTn dur="1000"/>
                                         <p:tgtEl>
-                                          <p:spTgt spid="144"/>
+                                          <p:spTgt spid="157"/>
                                         </p:tgtEl>
                                       </p:cBhvr>
                                     </p:animEffect>
@@ -6253,7 +6793,7 @@
                                           </p:stCondLst>
                                         </p:cTn>
                                         <p:tgtEl>
-                                          <p:spTgt spid="146"/>
+                                          <p:spTgt spid="159"/>
                                         </p:tgtEl>
                                         <p:attrNameLst>
                                           <p:attrName>style.visibility</p:attrName>
@@ -6267,7 +6807,7 @@
                                       <p:cBhvr>
                                         <p:cTn dur="1000"/>
                                         <p:tgtEl>
-                                          <p:spTgt spid="146"/>
+                                          <p:spTgt spid="159"/>
                                         </p:tgtEl>
                                       </p:cBhvr>
                                     </p:animEffect>
@@ -6306,7 +6846,7 @@
                                           </p:stCondLst>
                                         </p:cTn>
                                         <p:tgtEl>
-                                          <p:spTgt spid="147"/>
+                                          <p:spTgt spid="160"/>
                                         </p:tgtEl>
                                         <p:attrNameLst>
                                           <p:attrName>style.visibility</p:attrName>
@@ -6320,7 +6860,7 @@
                                       <p:cBhvr>
                                         <p:cTn dur="1000"/>
                                         <p:tgtEl>
-                                          <p:spTgt spid="147"/>
+                                          <p:spTgt spid="160"/>
                                         </p:tgtEl>
                                       </p:cBhvr>
                                     </p:animEffect>
@@ -6355,6 +6895,109 @@
       </p:par>
     </p:tnLst>
   </p:timing>
+</p:sld>
+</file>
+
+<file path=ppt/slides/slide15.xml><?xml version="1.0" encoding="utf-8"?>
+<p:sld xmlns:a="http://schemas.openxmlformats.org/drawingml/2006/main" xmlns:r="http://schemas.openxmlformats.org/officeDocument/2006/relationships" xmlns:mc="http://schemas.openxmlformats.org/markup-compatibility/2006" xmlns:mv="urn:schemas-microsoft-com:mac:vml" xmlns:p="http://schemas.openxmlformats.org/presentationml/2006/main" xmlns:c="http://schemas.openxmlformats.org/drawingml/2006/chart" xmlns:dgm="http://schemas.openxmlformats.org/drawingml/2006/diagram" xmlns:o="urn:schemas-microsoft-com:office:office" xmlns:v="urn:schemas-microsoft-com:vml" xmlns:pvml="urn:schemas-microsoft-com:office:powerpoint" xmlns:com="http://schemas.openxmlformats.org/drawingml/2006/compatibility" xmlns:p14="http://schemas.microsoft.com/office/powerpoint/2010/main">
+  <p:cSld>
+    <p:bg>
+      <p:bgPr>
+        <a:gradFill>
+          <a:gsLst>
+            <a:gs pos="0">
+              <a:srgbClr val="DDDDDD"/>
+            </a:gs>
+            <a:gs pos="100000">
+              <a:srgbClr val="919191"/>
+            </a:gs>
+          </a:gsLst>
+          <a:path path="circle">
+            <a:fillToRect b="50%" l="50%" r="50%" t="50%"/>
+          </a:path>
+          <a:tileRect/>
+        </a:gradFill>
+      </p:bgPr>
+    </p:bg>
+    <p:spTree>
+      <p:nvGrpSpPr>
+        <p:cNvPr id="164" name="Shape 164"/>
+        <p:cNvGrpSpPr/>
+        <p:nvPr/>
+      </p:nvGrpSpPr>
+      <p:grpSpPr>
+        <a:xfrm>
+          <a:off x="0" y="0"/>
+          <a:ext cx="0" cy="0"/>
+          <a:chOff x="0" y="0"/>
+          <a:chExt cx="0" cy="0"/>
+        </a:xfrm>
+      </p:grpSpPr>
+      <p:sp>
+        <p:nvSpPr>
+          <p:cNvPr id="165" name="Shape 165"/>
+          <p:cNvSpPr txBox="1"/>
+          <p:nvPr>
+            <p:ph type="ctrTitle"/>
+          </p:nvPr>
+        </p:nvSpPr>
+        <p:spPr>
+          <a:xfrm>
+            <a:off x="303125" y="3086100"/>
+            <a:ext cx="11197200" cy="1337100"/>
+          </a:xfrm>
+          <a:prstGeom prst="rect">
+            <a:avLst/>
+          </a:prstGeom>
+        </p:spPr>
+        <p:txBody>
+          <a:bodyPr anchorCtr="0" anchor="b" bIns="121900" lIns="121900" rIns="121900" tIns="121900">
+            <a:noAutofit/>
+          </a:bodyPr>
+          <a:lstStyle/>
+          <a:p>
+            <a:pPr lvl="0" rtl="0" algn="l">
+              <a:spcBef>
+                <a:spcPts val="0"/>
+              </a:spcBef>
+              <a:buNone/>
+            </a:pPr>
+            <a:r>
+              <a:rPr lang="en-GB"/>
+              <a:t>And a thank you for joining us on our journey …</a:t>
+            </a:r>
+          </a:p>
+          <a:p>
+            <a:pPr lvl="0" rtl="0" algn="l">
+              <a:spcBef>
+                <a:spcPts val="0"/>
+              </a:spcBef>
+              <a:buNone/>
+            </a:pPr>
+            <a:r>
+              <a:t/>
+            </a:r>
+            <a:endParaRPr/>
+          </a:p>
+          <a:p>
+            <a:pPr lvl="0" algn="l">
+              <a:spcBef>
+                <a:spcPts val="0"/>
+              </a:spcBef>
+              <a:buNone/>
+            </a:pPr>
+            <a:r>
+              <a:rPr lang="en-GB"/>
+              <a:t>Neuromancers signing out</a:t>
+            </a:r>
+          </a:p>
+        </p:txBody>
+      </p:sp>
+    </p:spTree>
+  </p:cSld>
+  <p:clrMapOvr>
+    <a:masterClrMapping/>
+  </p:clrMapOvr>
 </p:sld>
 </file>
 

--- a/Project3-MachineLearning/Neuromancers/Neuromancer's Journey.pptx
+++ b/Project3-MachineLearning/Neuromancers/Neuromancer's Journey.pptx
@@ -6358,7 +6358,7 @@
             </a:pPr>
             <a:r>
               <a:rPr b="1" lang="en-GB" sz="1800"/>
-              <a:t>Gradient Boosting							0.58716</a:t>
+              <a:t>Gradient Boosting							0.56300</a:t>
             </a:r>
           </a:p>
         </p:txBody>
@@ -6943,7 +6943,7 @@
         </p:nvSpPr>
         <p:spPr>
           <a:xfrm>
-            <a:off x="303125" y="3086100"/>
+            <a:off x="497400" y="2152625"/>
             <a:ext cx="11197200" cy="1337100"/>
           </a:xfrm>
           <a:prstGeom prst="rect">
@@ -6968,7 +6968,7 @@
             </a:r>
           </a:p>
           <a:p>
-            <a:pPr lvl="0" rtl="0" algn="l">
+            <a:pPr lvl="0" algn="l">
               <a:spcBef>
                 <a:spcPts val="0"/>
               </a:spcBef>
@@ -6979,16 +6979,42 @@
             </a:r>
             <a:endParaRPr/>
           </a:p>
+        </p:txBody>
+      </p:sp>
+      <p:sp>
+        <p:nvSpPr>
+          <p:cNvPr id="166" name="Shape 166"/>
+          <p:cNvSpPr txBox="1"/>
+          <p:nvPr/>
+        </p:nvSpPr>
+        <p:spPr>
+          <a:xfrm>
+            <a:off x="813300" y="3917825"/>
+            <a:ext cx="10565400" cy="950400"/>
+          </a:xfrm>
+          <a:prstGeom prst="rect">
+            <a:avLst/>
+          </a:prstGeom>
+          <a:noFill/>
+          <a:ln>
+            <a:noFill/>
+          </a:ln>
+        </p:spPr>
+        <p:txBody>
+          <a:bodyPr anchorCtr="0" anchor="t" bIns="91425" lIns="91425" rIns="91425" tIns="91425">
+            <a:noAutofit/>
+          </a:bodyPr>
+          <a:lstStyle/>
           <a:p>
-            <a:pPr lvl="0" algn="l">
+            <a:pPr lvl="0">
               <a:spcBef>
                 <a:spcPts val="0"/>
               </a:spcBef>
               <a:buNone/>
             </a:pPr>
             <a:r>
-              <a:rPr lang="en-GB"/>
-              <a:t>Neuromancers signing out</a:t>
+              <a:rPr lang="en-GB" sz="6000"/>
+              <a:t>Neuromancers signing out ...</a:t>
             </a:r>
           </a:p>
         </p:txBody>
@@ -6998,6 +7024,142 @@
   <p:clrMapOvr>
     <a:masterClrMapping/>
   </p:clrMapOvr>
+  <p:timing>
+    <p:tnLst>
+      <p:par>
+        <p:cTn dur="indefinite" nodeType="tmRoot" restart="never">
+          <p:childTnLst>
+            <p:seq concurrent="1" nextAc="seek">
+              <p:cTn dur="indefinite" id="2" nodeType="mainSeq">
+                <p:childTnLst>
+                  <p:par>
+                    <p:cTn fill="hold">
+                      <p:stCondLst>
+                        <p:cond delay="indefinite"/>
+                      </p:stCondLst>
+                      <p:childTnLst>
+                        <p:par>
+                          <p:cTn fill="hold">
+                            <p:stCondLst>
+                              <p:cond delay="0"/>
+                            </p:stCondLst>
+                            <p:childTnLst>
+                              <p:par>
+                                <p:cTn fill="hold" nodeType="clickEffect" presetClass="entr" presetID="10" presetSubtype="0">
+                                  <p:stCondLst>
+                                    <p:cond delay="0"/>
+                                  </p:stCondLst>
+                                  <p:childTnLst>
+                                    <p:set>
+                                      <p:cBhvr>
+                                        <p:cTn dur="1" fill="hold">
+                                          <p:stCondLst>
+                                            <p:cond delay="0"/>
+                                          </p:stCondLst>
+                                        </p:cTn>
+                                        <p:tgtEl>
+                                          <p:spTgt spid="165"/>
+                                        </p:tgtEl>
+                                        <p:attrNameLst>
+                                          <p:attrName>style.visibility</p:attrName>
+                                        </p:attrNameLst>
+                                      </p:cBhvr>
+                                      <p:to>
+                                        <p:strVal val="visible"/>
+                                      </p:to>
+                                    </p:set>
+                                    <p:animEffect filter="fade" transition="in">
+                                      <p:cBhvr>
+                                        <p:cTn dur="1000"/>
+                                        <p:tgtEl>
+                                          <p:spTgt spid="165"/>
+                                        </p:tgtEl>
+                                      </p:cBhvr>
+                                    </p:animEffect>
+                                  </p:childTnLst>
+                                </p:cTn>
+                              </p:par>
+                            </p:childTnLst>
+                          </p:cTn>
+                        </p:par>
+                      </p:childTnLst>
+                    </p:cTn>
+                  </p:par>
+                  <p:par>
+                    <p:cTn fill="hold">
+                      <p:stCondLst>
+                        <p:cond delay="indefinite"/>
+                      </p:stCondLst>
+                      <p:childTnLst>
+                        <p:par>
+                          <p:cTn fill="hold">
+                            <p:stCondLst>
+                              <p:cond delay="0"/>
+                            </p:stCondLst>
+                            <p:childTnLst>
+                              <p:par>
+                                <p:cTn fill="hold" nodeType="clickEffect" presetClass="entr" presetID="10" presetSubtype="0">
+                                  <p:stCondLst>
+                                    <p:cond delay="0"/>
+                                  </p:stCondLst>
+                                  <p:childTnLst>
+                                    <p:set>
+                                      <p:cBhvr>
+                                        <p:cTn dur="1" fill="hold">
+                                          <p:stCondLst>
+                                            <p:cond delay="0"/>
+                                          </p:stCondLst>
+                                        </p:cTn>
+                                        <p:tgtEl>
+                                          <p:spTgt spid="166"/>
+                                        </p:tgtEl>
+                                        <p:attrNameLst>
+                                          <p:attrName>style.visibility</p:attrName>
+                                        </p:attrNameLst>
+                                      </p:cBhvr>
+                                      <p:to>
+                                        <p:strVal val="visible"/>
+                                      </p:to>
+                                    </p:set>
+                                    <p:animEffect filter="fade" transition="in">
+                                      <p:cBhvr>
+                                        <p:cTn dur="1000"/>
+                                        <p:tgtEl>
+                                          <p:spTgt spid="166"/>
+                                        </p:tgtEl>
+                                      </p:cBhvr>
+                                    </p:animEffect>
+                                  </p:childTnLst>
+                                </p:cTn>
+                              </p:par>
+                            </p:childTnLst>
+                          </p:cTn>
+                        </p:par>
+                      </p:childTnLst>
+                    </p:cTn>
+                  </p:par>
+                </p:childTnLst>
+              </p:cTn>
+              <p:prevCondLst>
+                <p:cond evt="onPrev">
+                  <p:tgtEl>
+                    <p:sldTgt/>
+                  </p:tgtEl>
+                </p:cond>
+              </p:prevCondLst>
+              <p:nextCondLst>
+                <p:cond evt="onNext">
+                  <p:tgtEl>
+                    <p:sldTgt/>
+                  </p:tgtEl>
+                </p:cond>
+              </p:nextCondLst>
+            </p:seq>
+          </p:childTnLst>
+        </p:cTn>
+      </p:par>
+    </p:tnLst>
+  </p:timing>
 </p:sld>
 </file>
 
